--- a/module_3_powerbi.pptx
+++ b/module_3_powerbi.pptx
@@ -15,16 +15,17 @@
     <p:sldId id="332" r:id="rId10"/>
     <p:sldId id="341" r:id="rId11"/>
     <p:sldId id="342" r:id="rId12"/>
-    <p:sldId id="333" r:id="rId13"/>
-    <p:sldId id="334" r:id="rId14"/>
-    <p:sldId id="335" r:id="rId15"/>
-    <p:sldId id="336" r:id="rId16"/>
-    <p:sldId id="337" r:id="rId17"/>
-    <p:sldId id="343" r:id="rId18"/>
-    <p:sldId id="324" r:id="rId19"/>
-    <p:sldId id="338" r:id="rId20"/>
-    <p:sldId id="339" r:id="rId21"/>
-    <p:sldId id="258" r:id="rId22"/>
+    <p:sldId id="354" r:id="rId13"/>
+    <p:sldId id="333" r:id="rId14"/>
+    <p:sldId id="334" r:id="rId15"/>
+    <p:sldId id="335" r:id="rId16"/>
+    <p:sldId id="336" r:id="rId17"/>
+    <p:sldId id="337" r:id="rId18"/>
+    <p:sldId id="343" r:id="rId19"/>
+    <p:sldId id="324" r:id="rId20"/>
+    <p:sldId id="338" r:id="rId21"/>
+    <p:sldId id="339" r:id="rId22"/>
+    <p:sldId id="258" r:id="rId23"/>
   </p:sldIdLst>
   <p:sldSz cx="12192000" cy="6858000"/>
   <p:notesSz cx="6858000" cy="9144000"/>
@@ -3689,7 +3690,7 @@
         </p:blipFill>
         <p:spPr>
           <a:xfrm>
-            <a:off x="240030" y="0"/>
+            <a:off x="0" y="0"/>
             <a:ext cx="8906510" cy="6445250"/>
           </a:xfrm>
           <a:prstGeom prst="rect">
@@ -3706,6 +3707,134 @@
 </file>
 
 <file path=ppt/slides/slide11.xml><?xml version="1.0" encoding="utf-8"?>
+<p:sld xmlns:a="http://schemas.openxmlformats.org/drawingml/2006/main" xmlns:r="http://schemas.openxmlformats.org/officeDocument/2006/relationships" xmlns:p="http://schemas.openxmlformats.org/presentationml/2006/main">
+  <p:cSld>
+    <p:spTree>
+      <p:nvGrpSpPr>
+        <p:cNvPr id="1" name=""/>
+        <p:cNvGrpSpPr/>
+        <p:nvPr/>
+      </p:nvGrpSpPr>
+      <p:grpSpPr/>
+      <p:pic>
+        <p:nvPicPr>
+          <p:cNvPr id="4" name="Picture 3"/>
+          <p:cNvPicPr/>
+          <p:nvPr/>
+        </p:nvPicPr>
+        <p:blipFill>
+          <a:blip r:embed="rId1"/>
+          <a:stretch>
+            <a:fillRect/>
+          </a:stretch>
+        </p:blipFill>
+        <p:spPr>
+          <a:xfrm>
+            <a:off x="6195060" y="0"/>
+            <a:ext cx="5372100" cy="3009900"/>
+          </a:xfrm>
+          <a:prstGeom prst="rect">
+            <a:avLst/>
+          </a:prstGeom>
+        </p:spPr>
+      </p:pic>
+      <p:sp>
+        <p:nvSpPr>
+          <p:cNvPr id="2" name="Text Box 1"/>
+          <p:cNvSpPr txBox="1"/>
+          <p:nvPr/>
+        </p:nvSpPr>
+        <p:spPr>
+          <a:xfrm>
+            <a:off x="187325" y="5510530"/>
+            <a:ext cx="11824970" cy="922020"/>
+          </a:xfrm>
+          <a:prstGeom prst="rect">
+            <a:avLst/>
+          </a:prstGeom>
+          <a:noFill/>
+        </p:spPr>
+        <p:txBody>
+          <a:bodyPr wrap="square" rtlCol="0" anchor="t">
+            <a:spAutoFit/>
+          </a:bodyPr>
+          <a:p>
+            <a:r>
+              <a:rPr lang="en-US" altLang="en-US"/>
+              <a:t>https://www.ablebits.com/office-addins-blog/waterfall-chart-in-excel/</a:t>
+            </a:r>
+            <a:endParaRPr lang="en-US" altLang="en-US"/>
+          </a:p>
+          <a:p>
+            <a:r>
+              <a:rPr lang="en-US" altLang="en-US"/>
+              <a:t>https://www.productplan.com/glossary/gantt-chart/</a:t>
+            </a:r>
+            <a:endParaRPr lang="en-US" altLang="en-US"/>
+          </a:p>
+          <a:p>
+            <a:r>
+              <a:rPr lang="en-US" altLang="en-US"/>
+              <a:t>https://blog.coupler.io/power-bi-gauge/</a:t>
+            </a:r>
+            <a:endParaRPr lang="en-US" altLang="en-US"/>
+          </a:p>
+        </p:txBody>
+      </p:sp>
+      <p:pic>
+        <p:nvPicPr>
+          <p:cNvPr id="3" name="Picture 2"/>
+          <p:cNvPicPr/>
+          <p:nvPr/>
+        </p:nvPicPr>
+        <p:blipFill>
+          <a:blip r:embed="rId2"/>
+          <a:srcRect r="52033"/>
+          <a:stretch>
+            <a:fillRect/>
+          </a:stretch>
+        </p:blipFill>
+        <p:spPr>
+          <a:xfrm>
+            <a:off x="8456295" y="3009900"/>
+            <a:ext cx="3735705" cy="3133090"/>
+          </a:xfrm>
+          <a:prstGeom prst="rect">
+            <a:avLst/>
+          </a:prstGeom>
+        </p:spPr>
+      </p:pic>
+      <p:pic>
+        <p:nvPicPr>
+          <p:cNvPr id="5" name="Picture 4"/>
+          <p:cNvPicPr/>
+          <p:nvPr/>
+        </p:nvPicPr>
+        <p:blipFill>
+          <a:blip r:embed="rId3"/>
+          <a:stretch>
+            <a:fillRect/>
+          </a:stretch>
+        </p:blipFill>
+        <p:spPr>
+          <a:xfrm>
+            <a:off x="369570" y="306705"/>
+            <a:ext cx="5567045" cy="3641090"/>
+          </a:xfrm>
+          <a:prstGeom prst="rect">
+            <a:avLst/>
+          </a:prstGeom>
+        </p:spPr>
+      </p:pic>
+    </p:spTree>
+  </p:cSld>
+  <p:clrMapOvr>
+    <a:masterClrMapping/>
+  </p:clrMapOvr>
+</p:sld>
+</file>
+
+<file path=ppt/slides/slide12.xml><?xml version="1.0" encoding="utf-8"?>
 <p:sld xmlns:a="http://schemas.openxmlformats.org/drawingml/2006/main" xmlns:r="http://schemas.openxmlformats.org/officeDocument/2006/relationships" xmlns:p="http://schemas.openxmlformats.org/presentationml/2006/main">
   <p:cSld>
     <p:spTree>
@@ -4262,7 +4391,7 @@
 </p:sld>
 </file>
 
-<file path=ppt/slides/slide12.xml><?xml version="1.0" encoding="utf-8"?>
+<file path=ppt/slides/slide13.xml><?xml version="1.0" encoding="utf-8"?>
 <p:sld xmlns:a="http://schemas.openxmlformats.org/drawingml/2006/main" xmlns:r="http://schemas.openxmlformats.org/officeDocument/2006/relationships" xmlns:p="http://schemas.openxmlformats.org/presentationml/2006/main">
   <p:cSld>
     <p:spTree>
@@ -4683,7 +4812,7 @@
 </p:sld>
 </file>
 
-<file path=ppt/slides/slide13.xml><?xml version="1.0" encoding="utf-8"?>
+<file path=ppt/slides/slide14.xml><?xml version="1.0" encoding="utf-8"?>
 <p:sld xmlns:a="http://schemas.openxmlformats.org/drawingml/2006/main" xmlns:r="http://schemas.openxmlformats.org/officeDocument/2006/relationships" xmlns:p="http://schemas.openxmlformats.org/presentationml/2006/main">
   <p:cSld>
     <p:spTree>
@@ -4977,7 +5106,7 @@
 </p:sld>
 </file>
 
-<file path=ppt/slides/slide14.xml><?xml version="1.0" encoding="utf-8"?>
+<file path=ppt/slides/slide15.xml><?xml version="1.0" encoding="utf-8"?>
 <p:sld xmlns:a="http://schemas.openxmlformats.org/drawingml/2006/main" xmlns:r="http://schemas.openxmlformats.org/officeDocument/2006/relationships" xmlns:p="http://schemas.openxmlformats.org/presentationml/2006/main">
   <p:cSld>
     <p:spTree>
@@ -5141,7 +5270,7 @@
 </p:sld>
 </file>
 
-<file path=ppt/slides/slide15.xml><?xml version="1.0" encoding="utf-8"?>
+<file path=ppt/slides/slide16.xml><?xml version="1.0" encoding="utf-8"?>
 <p:sld xmlns:a="http://schemas.openxmlformats.org/drawingml/2006/main" xmlns:r="http://schemas.openxmlformats.org/officeDocument/2006/relationships" xmlns:p="http://schemas.openxmlformats.org/presentationml/2006/main">
   <p:cSld>
     <p:spTree>
@@ -5257,7 +5386,7 @@
 </p:sld>
 </file>
 
-<file path=ppt/slides/slide16.xml><?xml version="1.0" encoding="utf-8"?>
+<file path=ppt/slides/slide17.xml><?xml version="1.0" encoding="utf-8"?>
 <p:sld xmlns:a="http://schemas.openxmlformats.org/drawingml/2006/main" xmlns:r="http://schemas.openxmlformats.org/officeDocument/2006/relationships" xmlns:p="http://schemas.openxmlformats.org/presentationml/2006/main">
   <p:cSld>
     <p:spTree>
@@ -5539,7 +5668,7 @@
 </p:sld>
 </file>
 
-<file path=ppt/slides/slide17.xml><?xml version="1.0" encoding="utf-8"?>
+<file path=ppt/slides/slide18.xml><?xml version="1.0" encoding="utf-8"?>
 <p:sld xmlns:a="http://schemas.openxmlformats.org/drawingml/2006/main" xmlns:r="http://schemas.openxmlformats.org/officeDocument/2006/relationships" xmlns:p="http://schemas.openxmlformats.org/presentationml/2006/main">
   <p:cSld>
     <p:spTree>
@@ -5822,7 +5951,7 @@
 </p:sld>
 </file>
 
-<file path=ppt/slides/slide18.xml><?xml version="1.0" encoding="utf-8"?>
+<file path=ppt/slides/slide19.xml><?xml version="1.0" encoding="utf-8"?>
 <p:sld xmlns:a="http://schemas.openxmlformats.org/drawingml/2006/main" xmlns:r="http://schemas.openxmlformats.org/officeDocument/2006/relationships" xmlns:p="http://schemas.openxmlformats.org/presentationml/2006/main">
   <p:cSld>
     <p:spTree>
@@ -6203,557 +6332,6 @@
             <a:endParaRPr sz="1600">
               <a:latin typeface="Segoe MDL2 Assets" panose="050A0102010101010101"/>
               <a:ea typeface="Calibri" panose="020F0502020204030204"/>
-            </a:endParaRPr>
-          </a:p>
-        </p:txBody>
-      </p:sp>
-    </p:spTree>
-  </p:cSld>
-  <p:clrMapOvr>
-    <a:masterClrMapping/>
-  </p:clrMapOvr>
-</p:sld>
-</file>
-
-<file path=ppt/slides/slide19.xml><?xml version="1.0" encoding="utf-8"?>
-<p:sld xmlns:a="http://schemas.openxmlformats.org/drawingml/2006/main" xmlns:r="http://schemas.openxmlformats.org/officeDocument/2006/relationships" xmlns:p="http://schemas.openxmlformats.org/presentationml/2006/main">
-  <p:cSld>
-    <p:spTree>
-      <p:nvGrpSpPr>
-        <p:cNvPr id="1" name=""/>
-        <p:cNvGrpSpPr/>
-        <p:nvPr/>
-      </p:nvGrpSpPr>
-      <p:grpSpPr/>
-      <p:sp>
-        <p:nvSpPr>
-          <p:cNvPr id="3" name="Text Box 2"/>
-          <p:cNvSpPr txBox="1"/>
-          <p:nvPr/>
-        </p:nvSpPr>
-        <p:spPr>
-          <a:xfrm>
-            <a:off x="220345" y="294005"/>
-            <a:ext cx="11751945" cy="4855210"/>
-          </a:xfrm>
-          <a:prstGeom prst="rect">
-            <a:avLst/>
-          </a:prstGeom>
-          <a:noFill/>
-        </p:spPr>
-        <p:txBody>
-          <a:bodyPr wrap="square" rtlCol="0" anchor="t">
-            <a:spAutoFit/>
-          </a:bodyPr>
-          <a:p>
-            <a:pPr defTabSz="266700">
-              <a:lnSpc>
-                <a:spcPct val="107000"/>
-              </a:lnSpc>
-              <a:spcAft>
-                <a:spcPts val="800"/>
-              </a:spcAft>
-            </a:pPr>
-            <a:r>
-              <a:rPr sz="1600" b="1">
-                <a:latin typeface="Segoe MDL2 Assets" panose="050A0102010101010101"/>
-                <a:ea typeface="Calibri" panose="020F0502020204030204"/>
-                <a:sym typeface="+mn-ea"/>
-              </a:rPr>
-              <a:t>2 Matrix Visualization </a:t>
-            </a:r>
-            <a:r>
-              <a:rPr sz="1600" b="1">
-                <a:latin typeface="Times New Roman" panose="02020603050405020304"/>
-                <a:ea typeface="Calibri" panose="020F0502020204030204"/>
-                <a:sym typeface="+mn-ea"/>
-              </a:rPr>
-              <a:t>–</a:t>
-            </a:r>
-            <a:r>
-              <a:rPr sz="1600">
-                <a:latin typeface="Segoe MDL2 Assets" panose="050A0102010101010101"/>
-                <a:ea typeface="Calibri" panose="020F0502020204030204"/>
-                <a:sym typeface="+mn-ea"/>
-              </a:rPr>
-              <a:t> Create Matrix Visualization to show the amount spent on Outdoor sports across different ages and </a:t>
-            </a:r>
-            <a:r>
-              <a:rPr sz="1600">
-                <a:latin typeface="Times New Roman" panose="02020603050405020304"/>
-                <a:ea typeface="Calibri" panose="020F0502020204030204"/>
-                <a:sym typeface="+mn-ea"/>
-              </a:rPr>
-              <a:t>‘</a:t>
-            </a:r>
-            <a:r>
-              <a:rPr sz="1600">
-                <a:latin typeface="Segoe MDL2 Assets" panose="050A0102010101010101"/>
-                <a:ea typeface="Calibri" panose="020F0502020204030204"/>
-                <a:sym typeface="+mn-ea"/>
-              </a:rPr>
-              <a:t>Store setting</a:t>
-            </a:r>
-            <a:r>
-              <a:rPr sz="1600">
-                <a:latin typeface="Cambria" panose="02040503050406030204"/>
-                <a:ea typeface="Calibri" panose="020F0502020204030204"/>
-                <a:sym typeface="+mn-ea"/>
-              </a:rPr>
-              <a:t>’</a:t>
-            </a:r>
-            <a:r>
-              <a:rPr sz="1600">
-                <a:latin typeface="Segoe MDL2 Assets" panose="050A0102010101010101"/>
-                <a:ea typeface="Calibri" panose="020F0502020204030204"/>
-                <a:sym typeface="+mn-ea"/>
-              </a:rPr>
-              <a:t>. Do the color formatting for the amount spent in total outdoor sports. </a:t>
-            </a:r>
-            <a:endParaRPr sz="1600">
-              <a:latin typeface="Segoe MDL2 Assets" panose="050A0102010101010101"/>
-              <a:ea typeface="Calibri" panose="020F0502020204030204"/>
-            </a:endParaRPr>
-          </a:p>
-          <a:p>
-            <a:pPr defTabSz="266700">
-              <a:lnSpc>
-                <a:spcPct val="107000"/>
-              </a:lnSpc>
-              <a:spcAft>
-                <a:spcPts val="800"/>
-              </a:spcAft>
-            </a:pPr>
-            <a:r>
-              <a:rPr sz="1600" b="1">
-                <a:latin typeface="Segoe MDL2 Assets" panose="050A0102010101010101"/>
-                <a:ea typeface="Calibri" panose="020F0502020204030204"/>
-                <a:sym typeface="+mn-ea"/>
-              </a:rPr>
-              <a:t>3. Funnel chart </a:t>
-            </a:r>
-            <a:r>
-              <a:rPr sz="1600" b="1">
-                <a:latin typeface="Times New Roman" panose="02020603050405020304"/>
-                <a:ea typeface="Calibri" panose="020F0502020204030204"/>
-                <a:sym typeface="+mn-ea"/>
-              </a:rPr>
-              <a:t>–</a:t>
-            </a:r>
-            <a:r>
-              <a:rPr sz="1600">
-                <a:latin typeface="Segoe MDL2 Assets" panose="050A0102010101010101"/>
-                <a:ea typeface="Calibri" panose="020F0502020204030204"/>
-                <a:sym typeface="+mn-ea"/>
-              </a:rPr>
-              <a:t> Create a Funnel chart to show Total amount of purchase by </a:t>
-            </a:r>
-            <a:r>
-              <a:rPr sz="1600">
-                <a:latin typeface="Times New Roman" panose="02020603050405020304"/>
-                <a:ea typeface="Calibri" panose="020F0502020204030204"/>
-                <a:sym typeface="+mn-ea"/>
-              </a:rPr>
-              <a:t>‘</a:t>
-            </a:r>
-            <a:r>
-              <a:rPr sz="1600">
-                <a:latin typeface="Segoe MDL2 Assets" panose="050A0102010101010101"/>
-                <a:ea typeface="Calibri" panose="020F0502020204030204"/>
-                <a:sym typeface="+mn-ea"/>
-              </a:rPr>
-              <a:t>Store setting</a:t>
-            </a:r>
-            <a:r>
-              <a:rPr sz="1600">
-                <a:latin typeface="Cambria" panose="02040503050406030204"/>
-                <a:ea typeface="Calibri" panose="020F0502020204030204"/>
-                <a:sym typeface="+mn-ea"/>
-              </a:rPr>
-              <a:t>’</a:t>
-            </a:r>
-            <a:r>
-              <a:rPr sz="1600">
-                <a:latin typeface="Segoe MDL2 Assets" panose="050A0102010101010101"/>
-                <a:ea typeface="Calibri" panose="020F0502020204030204"/>
-                <a:sym typeface="+mn-ea"/>
-              </a:rPr>
-              <a:t>. Show the data labels as Percentage of First. </a:t>
-            </a:r>
-            <a:endParaRPr sz="1600">
-              <a:latin typeface="Segoe MDL2 Assets" panose="050A0102010101010101"/>
-              <a:ea typeface="Calibri" panose="020F0502020204030204"/>
-            </a:endParaRPr>
-          </a:p>
-          <a:p>
-            <a:pPr defTabSz="266700">
-              <a:lnSpc>
-                <a:spcPct val="107000"/>
-              </a:lnSpc>
-              <a:spcAft>
-                <a:spcPts val="800"/>
-              </a:spcAft>
-            </a:pPr>
-            <a:r>
-              <a:rPr sz="1600" b="1">
-                <a:latin typeface="Segoe MDL2 Assets" panose="050A0102010101010101"/>
-                <a:ea typeface="Calibri" panose="020F0502020204030204"/>
-                <a:sym typeface="+mn-ea"/>
-              </a:rPr>
-              <a:t>4. Pie chart </a:t>
-            </a:r>
-            <a:r>
-              <a:rPr sz="1600" b="1">
-                <a:latin typeface="Times New Roman" panose="02020603050405020304"/>
-                <a:ea typeface="Calibri" panose="020F0502020204030204"/>
-                <a:sym typeface="+mn-ea"/>
-              </a:rPr>
-              <a:t>–</a:t>
-            </a:r>
-            <a:r>
-              <a:rPr sz="1600" b="1">
-                <a:latin typeface="Segoe MDL2 Assets" panose="050A0102010101010101"/>
-                <a:ea typeface="Calibri" panose="020F0502020204030204"/>
-                <a:sym typeface="+mn-ea"/>
-              </a:rPr>
-              <a:t> </a:t>
-            </a:r>
-            <a:r>
-              <a:rPr sz="1600">
-                <a:latin typeface="Segoe MDL2 Assets" panose="050A0102010101010101"/>
-                <a:ea typeface="Calibri" panose="020F0502020204030204"/>
-                <a:sym typeface="+mn-ea"/>
-              </a:rPr>
-              <a:t>Show the total amount of purchase by different </a:t>
-            </a:r>
-            <a:r>
-              <a:rPr sz="1600">
-                <a:latin typeface="Times New Roman" panose="02020603050405020304"/>
-                <a:ea typeface="Calibri" panose="020F0502020204030204"/>
-                <a:sym typeface="+mn-ea"/>
-              </a:rPr>
-              <a:t>‘</a:t>
-            </a:r>
-            <a:r>
-              <a:rPr sz="1600">
-                <a:latin typeface="Segoe MDL2 Assets" panose="050A0102010101010101"/>
-                <a:ea typeface="Calibri" panose="020F0502020204030204"/>
-                <a:sym typeface="+mn-ea"/>
-              </a:rPr>
-              <a:t>Store location</a:t>
-            </a:r>
-            <a:r>
-              <a:rPr sz="1600">
-                <a:latin typeface="Cambria" panose="02040503050406030204"/>
-                <a:ea typeface="Calibri" panose="020F0502020204030204"/>
-                <a:sym typeface="+mn-ea"/>
-              </a:rPr>
-              <a:t>’</a:t>
-            </a:r>
-            <a:r>
-              <a:rPr sz="1600">
-                <a:latin typeface="Segoe MDL2 Assets" panose="050A0102010101010101"/>
-                <a:ea typeface="Calibri" panose="020F0502020204030204"/>
-                <a:sym typeface="+mn-ea"/>
-              </a:rPr>
-              <a:t> for Suburban </a:t>
-            </a:r>
-            <a:r>
-              <a:rPr sz="1600">
-                <a:latin typeface="Times New Roman" panose="02020603050405020304"/>
-                <a:ea typeface="Calibri" panose="020F0502020204030204"/>
-                <a:sym typeface="+mn-ea"/>
-              </a:rPr>
-              <a:t>‘</a:t>
-            </a:r>
-            <a:r>
-              <a:rPr sz="1600">
-                <a:latin typeface="Segoe MDL2 Assets" panose="050A0102010101010101"/>
-                <a:ea typeface="Calibri" panose="020F0502020204030204"/>
-                <a:sym typeface="+mn-ea"/>
-              </a:rPr>
-              <a:t>Store setting</a:t>
-            </a:r>
-            <a:r>
-              <a:rPr sz="1600">
-                <a:latin typeface="Times New Roman" panose="02020603050405020304"/>
-                <a:ea typeface="Calibri" panose="020F0502020204030204"/>
-                <a:sym typeface="+mn-ea"/>
-              </a:rPr>
-              <a:t>’</a:t>
-            </a:r>
-            <a:r>
-              <a:rPr sz="1600">
-                <a:latin typeface="Segoe MDL2 Assets" panose="050A0102010101010101"/>
-                <a:ea typeface="Calibri" panose="020F0502020204030204"/>
-                <a:sym typeface="+mn-ea"/>
-              </a:rPr>
-              <a:t> only. Hint: Use Filter context </a:t>
-            </a:r>
-            <a:endParaRPr sz="1600">
-              <a:latin typeface="Segoe MDL2 Assets" panose="050A0102010101010101"/>
-              <a:ea typeface="Calibri" panose="020F0502020204030204"/>
-            </a:endParaRPr>
-          </a:p>
-          <a:p>
-            <a:pPr defTabSz="266700">
-              <a:lnSpc>
-                <a:spcPct val="107000"/>
-              </a:lnSpc>
-              <a:spcAft>
-                <a:spcPts val="800"/>
-              </a:spcAft>
-            </a:pPr>
-            <a:r>
-              <a:rPr sz="1600" b="1">
-                <a:latin typeface="Segoe MDL2 Assets" panose="050A0102010101010101"/>
-                <a:ea typeface="Calibri" panose="020F0502020204030204"/>
-                <a:sym typeface="+mn-ea"/>
-              </a:rPr>
-              <a:t>5. a) Scatter plot -</a:t>
-            </a:r>
-            <a:r>
-              <a:rPr sz="1600">
-                <a:latin typeface="Segoe MDL2 Assets" panose="050A0102010101010101"/>
-                <a:ea typeface="Calibri" panose="020F0502020204030204"/>
-                <a:sym typeface="+mn-ea"/>
-              </a:rPr>
-              <a:t> Video games purchase and Outdoor sports spent across the different ages. </a:t>
-            </a:r>
-            <a:r>
-              <a:rPr sz="1600" b="1">
-                <a:latin typeface="Segoe MDL2 Assets" panose="050A0102010101010101"/>
-                <a:ea typeface="Calibri" panose="020F0502020204030204"/>
-                <a:sym typeface="+mn-ea"/>
-              </a:rPr>
-              <a:t>b) </a:t>
-            </a:r>
-            <a:r>
-              <a:rPr sz="1600" b="1">
-                <a:latin typeface="Cambria" panose="02040503050406030204"/>
-                <a:ea typeface="Calibri" panose="020F0502020204030204"/>
-                <a:sym typeface="+mn-ea"/>
-              </a:rPr>
-              <a:t>any </a:t>
-            </a:r>
-            <a:r>
-              <a:rPr sz="1600" b="1">
-                <a:latin typeface="Segoe MDL2 Assets" panose="050A0102010101010101"/>
-                <a:ea typeface="Calibri" panose="020F0502020204030204"/>
-                <a:sym typeface="+mn-ea"/>
-              </a:rPr>
-              <a:t>plot</a:t>
-            </a:r>
-            <a:r>
-              <a:rPr sz="1600">
-                <a:latin typeface="Segoe MDL2 Assets" panose="050A0102010101010101"/>
-                <a:ea typeface="Calibri" panose="020F0502020204030204"/>
-                <a:sym typeface="+mn-ea"/>
-              </a:rPr>
-              <a:t> - Indoor sports and Video games spent across the different age groups. </a:t>
-            </a:r>
-            <a:endParaRPr sz="1600">
-              <a:latin typeface="Segoe MDL2 Assets" panose="050A0102010101010101"/>
-              <a:ea typeface="Calibri" panose="020F0502020204030204"/>
-            </a:endParaRPr>
-          </a:p>
-          <a:p>
-            <a:pPr defTabSz="266700">
-              <a:lnSpc>
-                <a:spcPct val="107000"/>
-              </a:lnSpc>
-              <a:spcAft>
-                <a:spcPts val="800"/>
-              </a:spcAft>
-            </a:pPr>
-            <a:r>
-              <a:rPr sz="1600" b="1">
-                <a:latin typeface="Segoe MDL2 Assets" panose="050A0102010101010101"/>
-                <a:ea typeface="Calibri" panose="020F0502020204030204"/>
-                <a:sym typeface="+mn-ea"/>
-              </a:rPr>
-              <a:t>6.</a:t>
-            </a:r>
-            <a:r>
-              <a:rPr sz="1600">
-                <a:latin typeface="Segoe MDL2 Assets" panose="050A0102010101010101"/>
-                <a:ea typeface="Calibri" panose="020F0502020204030204"/>
-                <a:sym typeface="+mn-ea"/>
-              </a:rPr>
-              <a:t> Restrict data access for the given users in User mapping table. </a:t>
-            </a:r>
-            <a:r>
-              <a:rPr sz="1600" b="1">
-                <a:latin typeface="Segoe MDL2 Assets" panose="050A0102010101010101"/>
-                <a:ea typeface="Calibri" panose="020F0502020204030204"/>
-                <a:sym typeface="+mn-ea"/>
-              </a:rPr>
-              <a:t>For ex</a:t>
-            </a:r>
-            <a:r>
-              <a:rPr sz="1600">
-                <a:latin typeface="Segoe MDL2 Assets" panose="050A0102010101010101"/>
-                <a:ea typeface="Calibri" panose="020F0502020204030204"/>
-                <a:sym typeface="+mn-ea"/>
-              </a:rPr>
-              <a:t>. Mani deals with Rural area only so she should be able to view the data which belongs to Rural only, not urban and suburban data. </a:t>
-            </a:r>
-            <a:endParaRPr sz="1600">
-              <a:latin typeface="Segoe MDL2 Assets" panose="050A0102010101010101"/>
-              <a:ea typeface="Calibri" panose="020F0502020204030204"/>
-            </a:endParaRPr>
-          </a:p>
-          <a:p>
-            <a:pPr defTabSz="266700">
-              <a:lnSpc>
-                <a:spcPct val="107000"/>
-              </a:lnSpc>
-              <a:spcAft>
-                <a:spcPts val="800"/>
-              </a:spcAft>
-            </a:pPr>
-            <a:r>
-              <a:rPr sz="1600" b="1">
-                <a:latin typeface="Segoe MDL2 Assets" panose="050A0102010101010101"/>
-                <a:ea typeface="Calibri" panose="020F0502020204030204"/>
-                <a:sym typeface="+mn-ea"/>
-              </a:rPr>
-              <a:t>7.</a:t>
-            </a:r>
-            <a:r>
-              <a:rPr sz="1600">
-                <a:latin typeface="Segoe MDL2 Assets" panose="050A0102010101010101"/>
-                <a:ea typeface="Calibri" panose="020F0502020204030204"/>
-                <a:sym typeface="+mn-ea"/>
-              </a:rPr>
-              <a:t> Publish the report on Power BI cloud service and Design the Master Dashboard consisting of Funnel chart and scatter plots. Then create a schedule refresh for six times in every 4 hours for the Dashboard in a day. </a:t>
-            </a:r>
-            <a:endParaRPr sz="1600">
-              <a:latin typeface="Segoe MDL2 Assets" panose="050A0102010101010101"/>
-              <a:ea typeface="Calibri" panose="020F0502020204030204"/>
-            </a:endParaRPr>
-          </a:p>
-          <a:p>
-            <a:pPr defTabSz="266700">
-              <a:lnSpc>
-                <a:spcPct val="107000"/>
-              </a:lnSpc>
-              <a:spcAft>
-                <a:spcPts val="800"/>
-              </a:spcAft>
-            </a:pPr>
-            <a:r>
-              <a:rPr sz="1600" b="1">
-                <a:latin typeface="Segoe MDL2 Assets" panose="050A0102010101010101"/>
-                <a:ea typeface="Calibri" panose="020F0502020204030204"/>
-                <a:sym typeface="+mn-ea"/>
-              </a:rPr>
-              <a:t>8. Use Q&amp;A feature</a:t>
-            </a:r>
-            <a:r>
-              <a:rPr sz="1600">
-                <a:latin typeface="Segoe MDL2 Assets" panose="050A0102010101010101"/>
-                <a:ea typeface="Calibri" panose="020F0502020204030204"/>
-                <a:sym typeface="+mn-ea"/>
-              </a:rPr>
-              <a:t> of Power BI </a:t>
-            </a:r>
-            <a:r>
-              <a:rPr sz="1600">
-                <a:latin typeface="Times New Roman" panose="02020603050405020304"/>
-                <a:ea typeface="Calibri" panose="020F0502020204030204"/>
-                <a:sym typeface="+mn-ea"/>
-              </a:rPr>
-              <a:t>–</a:t>
-            </a:r>
-            <a:r>
-              <a:rPr sz="1600">
-                <a:latin typeface="Segoe MDL2 Assets" panose="050A0102010101010101"/>
-                <a:ea typeface="Calibri" panose="020F0502020204030204"/>
-                <a:sym typeface="+mn-ea"/>
-              </a:rPr>
-              <a:t> </a:t>
-            </a:r>
-            <a:endParaRPr sz="1600">
-              <a:latin typeface="Segoe MDL2 Assets" panose="050A0102010101010101"/>
-              <a:ea typeface="Calibri" panose="020F0502020204030204"/>
-            </a:endParaRPr>
-          </a:p>
-          <a:p>
-            <a:pPr marL="0" indent="457200" defTabSz="266700">
-              <a:lnSpc>
-                <a:spcPct val="107000"/>
-              </a:lnSpc>
-              <a:spcAft>
-                <a:spcPts val="800"/>
-              </a:spcAft>
-            </a:pPr>
-            <a:r>
-              <a:rPr sz="1600" b="1">
-                <a:latin typeface="Segoe MDL2 Assets" panose="050A0102010101010101"/>
-                <a:ea typeface="Calibri" panose="020F0502020204030204"/>
-                <a:sym typeface="+mn-ea"/>
-              </a:rPr>
-              <a:t>a)</a:t>
-            </a:r>
-            <a:r>
-              <a:rPr sz="1600">
-                <a:latin typeface="Segoe MDL2 Assets" panose="050A0102010101010101"/>
-                <a:ea typeface="Calibri" panose="020F0502020204030204"/>
-                <a:sym typeface="+mn-ea"/>
-              </a:rPr>
-              <a:t> To show average age of students </a:t>
-            </a:r>
-            <a:endParaRPr sz="1600">
-              <a:latin typeface="Segoe MDL2 Assets" panose="050A0102010101010101"/>
-              <a:ea typeface="Calibri" panose="020F0502020204030204"/>
-            </a:endParaRPr>
-          </a:p>
-          <a:p>
-            <a:pPr marL="0" indent="457200" defTabSz="266700">
-              <a:lnSpc>
-                <a:spcPct val="107000"/>
-              </a:lnSpc>
-              <a:spcAft>
-                <a:spcPts val="800"/>
-              </a:spcAft>
-            </a:pPr>
-            <a:r>
-              <a:rPr sz="1600" b="1">
-                <a:latin typeface="Segoe MDL2 Assets" panose="050A0102010101010101"/>
-                <a:ea typeface="Calibri" panose="020F0502020204030204"/>
-                <a:sym typeface="+mn-ea"/>
-              </a:rPr>
-              <a:t>b)</a:t>
-            </a:r>
-            <a:r>
-              <a:rPr sz="1600">
-                <a:latin typeface="Segoe MDL2 Assets" panose="050A0102010101010101"/>
-                <a:ea typeface="Calibri" panose="020F0502020204030204"/>
-                <a:sym typeface="+mn-ea"/>
-              </a:rPr>
-              <a:t> Donut chart for total amount of purchases by </a:t>
-            </a:r>
-            <a:r>
-              <a:rPr sz="1600">
-                <a:latin typeface="Times New Roman" panose="02020603050405020304"/>
-                <a:ea typeface="Calibri" panose="020F0502020204030204"/>
-                <a:sym typeface="+mn-ea"/>
-              </a:rPr>
-              <a:t>‘</a:t>
-            </a:r>
-            <a:r>
-              <a:rPr sz="1600">
-                <a:latin typeface="Segoe MDL2 Assets" panose="050A0102010101010101"/>
-                <a:ea typeface="Calibri" panose="020F0502020204030204"/>
-                <a:sym typeface="+mn-ea"/>
-              </a:rPr>
-              <a:t>Store location</a:t>
-            </a:r>
-            <a:endParaRPr lang="en-US" sz="1600">
-              <a:latin typeface="Segoe MDL2 Assets" panose="050A0102010101010101"/>
-              <a:ea typeface="Calibri" panose="020F0502020204030204"/>
-              <a:sym typeface="+mn-ea"/>
             </a:endParaRPr>
           </a:p>
         </p:txBody>
@@ -7045,6 +6623,557 @@
 </file>
 
 <file path=ppt/slides/slide20.xml><?xml version="1.0" encoding="utf-8"?>
+<p:sld xmlns:a="http://schemas.openxmlformats.org/drawingml/2006/main" xmlns:r="http://schemas.openxmlformats.org/officeDocument/2006/relationships" xmlns:p="http://schemas.openxmlformats.org/presentationml/2006/main">
+  <p:cSld>
+    <p:spTree>
+      <p:nvGrpSpPr>
+        <p:cNvPr id="1" name=""/>
+        <p:cNvGrpSpPr/>
+        <p:nvPr/>
+      </p:nvGrpSpPr>
+      <p:grpSpPr/>
+      <p:sp>
+        <p:nvSpPr>
+          <p:cNvPr id="3" name="Text Box 2"/>
+          <p:cNvSpPr txBox="1"/>
+          <p:nvPr/>
+        </p:nvSpPr>
+        <p:spPr>
+          <a:xfrm>
+            <a:off x="220345" y="294005"/>
+            <a:ext cx="11751945" cy="4855210"/>
+          </a:xfrm>
+          <a:prstGeom prst="rect">
+            <a:avLst/>
+          </a:prstGeom>
+          <a:noFill/>
+        </p:spPr>
+        <p:txBody>
+          <a:bodyPr wrap="square" rtlCol="0" anchor="t">
+            <a:spAutoFit/>
+          </a:bodyPr>
+          <a:p>
+            <a:pPr defTabSz="266700">
+              <a:lnSpc>
+                <a:spcPct val="107000"/>
+              </a:lnSpc>
+              <a:spcAft>
+                <a:spcPts val="800"/>
+              </a:spcAft>
+            </a:pPr>
+            <a:r>
+              <a:rPr sz="1600" b="1">
+                <a:latin typeface="Segoe MDL2 Assets" panose="050A0102010101010101"/>
+                <a:ea typeface="Calibri" panose="020F0502020204030204"/>
+                <a:sym typeface="+mn-ea"/>
+              </a:rPr>
+              <a:t>2 Matrix Visualization </a:t>
+            </a:r>
+            <a:r>
+              <a:rPr sz="1600" b="1">
+                <a:latin typeface="Times New Roman" panose="02020603050405020304"/>
+                <a:ea typeface="Calibri" panose="020F0502020204030204"/>
+                <a:sym typeface="+mn-ea"/>
+              </a:rPr>
+              <a:t>–</a:t>
+            </a:r>
+            <a:r>
+              <a:rPr sz="1600">
+                <a:latin typeface="Segoe MDL2 Assets" panose="050A0102010101010101"/>
+                <a:ea typeface="Calibri" panose="020F0502020204030204"/>
+                <a:sym typeface="+mn-ea"/>
+              </a:rPr>
+              <a:t> Create Matrix Visualization to show the amount spent on Outdoor sports across different ages and </a:t>
+            </a:r>
+            <a:r>
+              <a:rPr sz="1600">
+                <a:latin typeface="Times New Roman" panose="02020603050405020304"/>
+                <a:ea typeface="Calibri" panose="020F0502020204030204"/>
+                <a:sym typeface="+mn-ea"/>
+              </a:rPr>
+              <a:t>‘</a:t>
+            </a:r>
+            <a:r>
+              <a:rPr sz="1600">
+                <a:latin typeface="Segoe MDL2 Assets" panose="050A0102010101010101"/>
+                <a:ea typeface="Calibri" panose="020F0502020204030204"/>
+                <a:sym typeface="+mn-ea"/>
+              </a:rPr>
+              <a:t>Store setting</a:t>
+            </a:r>
+            <a:r>
+              <a:rPr sz="1600">
+                <a:latin typeface="Cambria" panose="02040503050406030204"/>
+                <a:ea typeface="Calibri" panose="020F0502020204030204"/>
+                <a:sym typeface="+mn-ea"/>
+              </a:rPr>
+              <a:t>’</a:t>
+            </a:r>
+            <a:r>
+              <a:rPr sz="1600">
+                <a:latin typeface="Segoe MDL2 Assets" panose="050A0102010101010101"/>
+                <a:ea typeface="Calibri" panose="020F0502020204030204"/>
+                <a:sym typeface="+mn-ea"/>
+              </a:rPr>
+              <a:t>. Do the color formatting for the amount spent in total outdoor sports. </a:t>
+            </a:r>
+            <a:endParaRPr sz="1600">
+              <a:latin typeface="Segoe MDL2 Assets" panose="050A0102010101010101"/>
+              <a:ea typeface="Calibri" panose="020F0502020204030204"/>
+            </a:endParaRPr>
+          </a:p>
+          <a:p>
+            <a:pPr defTabSz="266700">
+              <a:lnSpc>
+                <a:spcPct val="107000"/>
+              </a:lnSpc>
+              <a:spcAft>
+                <a:spcPts val="800"/>
+              </a:spcAft>
+            </a:pPr>
+            <a:r>
+              <a:rPr sz="1600" b="1">
+                <a:latin typeface="Segoe MDL2 Assets" panose="050A0102010101010101"/>
+                <a:ea typeface="Calibri" panose="020F0502020204030204"/>
+                <a:sym typeface="+mn-ea"/>
+              </a:rPr>
+              <a:t>3. Funnel chart </a:t>
+            </a:r>
+            <a:r>
+              <a:rPr sz="1600" b="1">
+                <a:latin typeface="Times New Roman" panose="02020603050405020304"/>
+                <a:ea typeface="Calibri" panose="020F0502020204030204"/>
+                <a:sym typeface="+mn-ea"/>
+              </a:rPr>
+              <a:t>–</a:t>
+            </a:r>
+            <a:r>
+              <a:rPr sz="1600">
+                <a:latin typeface="Segoe MDL2 Assets" panose="050A0102010101010101"/>
+                <a:ea typeface="Calibri" panose="020F0502020204030204"/>
+                <a:sym typeface="+mn-ea"/>
+              </a:rPr>
+              <a:t> Create a Funnel chart to show Total amount of purchase by </a:t>
+            </a:r>
+            <a:r>
+              <a:rPr sz="1600">
+                <a:latin typeface="Times New Roman" panose="02020603050405020304"/>
+                <a:ea typeface="Calibri" panose="020F0502020204030204"/>
+                <a:sym typeface="+mn-ea"/>
+              </a:rPr>
+              <a:t>‘</a:t>
+            </a:r>
+            <a:r>
+              <a:rPr sz="1600">
+                <a:latin typeface="Segoe MDL2 Assets" panose="050A0102010101010101"/>
+                <a:ea typeface="Calibri" panose="020F0502020204030204"/>
+                <a:sym typeface="+mn-ea"/>
+              </a:rPr>
+              <a:t>Store setting</a:t>
+            </a:r>
+            <a:r>
+              <a:rPr sz="1600">
+                <a:latin typeface="Cambria" panose="02040503050406030204"/>
+                <a:ea typeface="Calibri" panose="020F0502020204030204"/>
+                <a:sym typeface="+mn-ea"/>
+              </a:rPr>
+              <a:t>’</a:t>
+            </a:r>
+            <a:r>
+              <a:rPr sz="1600">
+                <a:latin typeface="Segoe MDL2 Assets" panose="050A0102010101010101"/>
+                <a:ea typeface="Calibri" panose="020F0502020204030204"/>
+                <a:sym typeface="+mn-ea"/>
+              </a:rPr>
+              <a:t>. Show the data labels as Percentage of First. </a:t>
+            </a:r>
+            <a:endParaRPr sz="1600">
+              <a:latin typeface="Segoe MDL2 Assets" panose="050A0102010101010101"/>
+              <a:ea typeface="Calibri" panose="020F0502020204030204"/>
+            </a:endParaRPr>
+          </a:p>
+          <a:p>
+            <a:pPr defTabSz="266700">
+              <a:lnSpc>
+                <a:spcPct val="107000"/>
+              </a:lnSpc>
+              <a:spcAft>
+                <a:spcPts val="800"/>
+              </a:spcAft>
+            </a:pPr>
+            <a:r>
+              <a:rPr sz="1600" b="1">
+                <a:latin typeface="Segoe MDL2 Assets" panose="050A0102010101010101"/>
+                <a:ea typeface="Calibri" panose="020F0502020204030204"/>
+                <a:sym typeface="+mn-ea"/>
+              </a:rPr>
+              <a:t>4. Pie chart </a:t>
+            </a:r>
+            <a:r>
+              <a:rPr sz="1600" b="1">
+                <a:latin typeface="Times New Roman" panose="02020603050405020304"/>
+                <a:ea typeface="Calibri" panose="020F0502020204030204"/>
+                <a:sym typeface="+mn-ea"/>
+              </a:rPr>
+              <a:t>–</a:t>
+            </a:r>
+            <a:r>
+              <a:rPr sz="1600" b="1">
+                <a:latin typeface="Segoe MDL2 Assets" panose="050A0102010101010101"/>
+                <a:ea typeface="Calibri" panose="020F0502020204030204"/>
+                <a:sym typeface="+mn-ea"/>
+              </a:rPr>
+              <a:t> </a:t>
+            </a:r>
+            <a:r>
+              <a:rPr sz="1600">
+                <a:latin typeface="Segoe MDL2 Assets" panose="050A0102010101010101"/>
+                <a:ea typeface="Calibri" panose="020F0502020204030204"/>
+                <a:sym typeface="+mn-ea"/>
+              </a:rPr>
+              <a:t>Show the total amount of purchase by different </a:t>
+            </a:r>
+            <a:r>
+              <a:rPr sz="1600">
+                <a:latin typeface="Times New Roman" panose="02020603050405020304"/>
+                <a:ea typeface="Calibri" panose="020F0502020204030204"/>
+                <a:sym typeface="+mn-ea"/>
+              </a:rPr>
+              <a:t>‘</a:t>
+            </a:r>
+            <a:r>
+              <a:rPr sz="1600">
+                <a:latin typeface="Segoe MDL2 Assets" panose="050A0102010101010101"/>
+                <a:ea typeface="Calibri" panose="020F0502020204030204"/>
+                <a:sym typeface="+mn-ea"/>
+              </a:rPr>
+              <a:t>Store location</a:t>
+            </a:r>
+            <a:r>
+              <a:rPr sz="1600">
+                <a:latin typeface="Cambria" panose="02040503050406030204"/>
+                <a:ea typeface="Calibri" panose="020F0502020204030204"/>
+                <a:sym typeface="+mn-ea"/>
+              </a:rPr>
+              <a:t>’</a:t>
+            </a:r>
+            <a:r>
+              <a:rPr sz="1600">
+                <a:latin typeface="Segoe MDL2 Assets" panose="050A0102010101010101"/>
+                <a:ea typeface="Calibri" panose="020F0502020204030204"/>
+                <a:sym typeface="+mn-ea"/>
+              </a:rPr>
+              <a:t> for Suburban </a:t>
+            </a:r>
+            <a:r>
+              <a:rPr sz="1600">
+                <a:latin typeface="Times New Roman" panose="02020603050405020304"/>
+                <a:ea typeface="Calibri" panose="020F0502020204030204"/>
+                <a:sym typeface="+mn-ea"/>
+              </a:rPr>
+              <a:t>‘</a:t>
+            </a:r>
+            <a:r>
+              <a:rPr sz="1600">
+                <a:latin typeface="Segoe MDL2 Assets" panose="050A0102010101010101"/>
+                <a:ea typeface="Calibri" panose="020F0502020204030204"/>
+                <a:sym typeface="+mn-ea"/>
+              </a:rPr>
+              <a:t>Store setting</a:t>
+            </a:r>
+            <a:r>
+              <a:rPr sz="1600">
+                <a:latin typeface="Times New Roman" panose="02020603050405020304"/>
+                <a:ea typeface="Calibri" panose="020F0502020204030204"/>
+                <a:sym typeface="+mn-ea"/>
+              </a:rPr>
+              <a:t>’</a:t>
+            </a:r>
+            <a:r>
+              <a:rPr sz="1600">
+                <a:latin typeface="Segoe MDL2 Assets" panose="050A0102010101010101"/>
+                <a:ea typeface="Calibri" panose="020F0502020204030204"/>
+                <a:sym typeface="+mn-ea"/>
+              </a:rPr>
+              <a:t> only. Hint: Use Filter context </a:t>
+            </a:r>
+            <a:endParaRPr sz="1600">
+              <a:latin typeface="Segoe MDL2 Assets" panose="050A0102010101010101"/>
+              <a:ea typeface="Calibri" panose="020F0502020204030204"/>
+            </a:endParaRPr>
+          </a:p>
+          <a:p>
+            <a:pPr defTabSz="266700">
+              <a:lnSpc>
+                <a:spcPct val="107000"/>
+              </a:lnSpc>
+              <a:spcAft>
+                <a:spcPts val="800"/>
+              </a:spcAft>
+            </a:pPr>
+            <a:r>
+              <a:rPr sz="1600" b="1">
+                <a:latin typeface="Segoe MDL2 Assets" panose="050A0102010101010101"/>
+                <a:ea typeface="Calibri" panose="020F0502020204030204"/>
+                <a:sym typeface="+mn-ea"/>
+              </a:rPr>
+              <a:t>5. a) Scatter plot -</a:t>
+            </a:r>
+            <a:r>
+              <a:rPr sz="1600">
+                <a:latin typeface="Segoe MDL2 Assets" panose="050A0102010101010101"/>
+                <a:ea typeface="Calibri" panose="020F0502020204030204"/>
+                <a:sym typeface="+mn-ea"/>
+              </a:rPr>
+              <a:t> Video games purchase and Outdoor sports spent across the different ages. </a:t>
+            </a:r>
+            <a:r>
+              <a:rPr sz="1600" b="1">
+                <a:latin typeface="Segoe MDL2 Assets" panose="050A0102010101010101"/>
+                <a:ea typeface="Calibri" panose="020F0502020204030204"/>
+                <a:sym typeface="+mn-ea"/>
+              </a:rPr>
+              <a:t>b) </a:t>
+            </a:r>
+            <a:r>
+              <a:rPr sz="1600" b="1">
+                <a:latin typeface="Cambria" panose="02040503050406030204"/>
+                <a:ea typeface="Calibri" panose="020F0502020204030204"/>
+                <a:sym typeface="+mn-ea"/>
+              </a:rPr>
+              <a:t>any </a:t>
+            </a:r>
+            <a:r>
+              <a:rPr sz="1600" b="1">
+                <a:latin typeface="Segoe MDL2 Assets" panose="050A0102010101010101"/>
+                <a:ea typeface="Calibri" panose="020F0502020204030204"/>
+                <a:sym typeface="+mn-ea"/>
+              </a:rPr>
+              <a:t>plot</a:t>
+            </a:r>
+            <a:r>
+              <a:rPr sz="1600">
+                <a:latin typeface="Segoe MDL2 Assets" panose="050A0102010101010101"/>
+                <a:ea typeface="Calibri" panose="020F0502020204030204"/>
+                <a:sym typeface="+mn-ea"/>
+              </a:rPr>
+              <a:t> - Indoor sports and Video games spent across the different age groups. </a:t>
+            </a:r>
+            <a:endParaRPr sz="1600">
+              <a:latin typeface="Segoe MDL2 Assets" panose="050A0102010101010101"/>
+              <a:ea typeface="Calibri" panose="020F0502020204030204"/>
+            </a:endParaRPr>
+          </a:p>
+          <a:p>
+            <a:pPr defTabSz="266700">
+              <a:lnSpc>
+                <a:spcPct val="107000"/>
+              </a:lnSpc>
+              <a:spcAft>
+                <a:spcPts val="800"/>
+              </a:spcAft>
+            </a:pPr>
+            <a:r>
+              <a:rPr sz="1600" b="1">
+                <a:latin typeface="Segoe MDL2 Assets" panose="050A0102010101010101"/>
+                <a:ea typeface="Calibri" panose="020F0502020204030204"/>
+                <a:sym typeface="+mn-ea"/>
+              </a:rPr>
+              <a:t>6.</a:t>
+            </a:r>
+            <a:r>
+              <a:rPr sz="1600">
+                <a:latin typeface="Segoe MDL2 Assets" panose="050A0102010101010101"/>
+                <a:ea typeface="Calibri" panose="020F0502020204030204"/>
+                <a:sym typeface="+mn-ea"/>
+              </a:rPr>
+              <a:t> Restrict data access for the given users in User mapping table. </a:t>
+            </a:r>
+            <a:r>
+              <a:rPr sz="1600" b="1">
+                <a:latin typeface="Segoe MDL2 Assets" panose="050A0102010101010101"/>
+                <a:ea typeface="Calibri" panose="020F0502020204030204"/>
+                <a:sym typeface="+mn-ea"/>
+              </a:rPr>
+              <a:t>For ex</a:t>
+            </a:r>
+            <a:r>
+              <a:rPr sz="1600">
+                <a:latin typeface="Segoe MDL2 Assets" panose="050A0102010101010101"/>
+                <a:ea typeface="Calibri" panose="020F0502020204030204"/>
+                <a:sym typeface="+mn-ea"/>
+              </a:rPr>
+              <a:t>. Mani deals with Rural area only so she should be able to view the data which belongs to Rural only, not urban and suburban data. </a:t>
+            </a:r>
+            <a:endParaRPr sz="1600">
+              <a:latin typeface="Segoe MDL2 Assets" panose="050A0102010101010101"/>
+              <a:ea typeface="Calibri" panose="020F0502020204030204"/>
+            </a:endParaRPr>
+          </a:p>
+          <a:p>
+            <a:pPr defTabSz="266700">
+              <a:lnSpc>
+                <a:spcPct val="107000"/>
+              </a:lnSpc>
+              <a:spcAft>
+                <a:spcPts val="800"/>
+              </a:spcAft>
+            </a:pPr>
+            <a:r>
+              <a:rPr sz="1600" b="1">
+                <a:latin typeface="Segoe MDL2 Assets" panose="050A0102010101010101"/>
+                <a:ea typeface="Calibri" panose="020F0502020204030204"/>
+                <a:sym typeface="+mn-ea"/>
+              </a:rPr>
+              <a:t>7.</a:t>
+            </a:r>
+            <a:r>
+              <a:rPr sz="1600">
+                <a:latin typeface="Segoe MDL2 Assets" panose="050A0102010101010101"/>
+                <a:ea typeface="Calibri" panose="020F0502020204030204"/>
+                <a:sym typeface="+mn-ea"/>
+              </a:rPr>
+              <a:t> Publish the report on Power BI cloud service and Design the Master Dashboard consisting of Funnel chart and scatter plots. Then create a schedule refresh for six times in every 4 hours for the Dashboard in a day. </a:t>
+            </a:r>
+            <a:endParaRPr sz="1600">
+              <a:latin typeface="Segoe MDL2 Assets" panose="050A0102010101010101"/>
+              <a:ea typeface="Calibri" panose="020F0502020204030204"/>
+            </a:endParaRPr>
+          </a:p>
+          <a:p>
+            <a:pPr defTabSz="266700">
+              <a:lnSpc>
+                <a:spcPct val="107000"/>
+              </a:lnSpc>
+              <a:spcAft>
+                <a:spcPts val="800"/>
+              </a:spcAft>
+            </a:pPr>
+            <a:r>
+              <a:rPr sz="1600" b="1">
+                <a:latin typeface="Segoe MDL2 Assets" panose="050A0102010101010101"/>
+                <a:ea typeface="Calibri" panose="020F0502020204030204"/>
+                <a:sym typeface="+mn-ea"/>
+              </a:rPr>
+              <a:t>8. Use Q&amp;A feature</a:t>
+            </a:r>
+            <a:r>
+              <a:rPr sz="1600">
+                <a:latin typeface="Segoe MDL2 Assets" panose="050A0102010101010101"/>
+                <a:ea typeface="Calibri" panose="020F0502020204030204"/>
+                <a:sym typeface="+mn-ea"/>
+              </a:rPr>
+              <a:t> of Power BI </a:t>
+            </a:r>
+            <a:r>
+              <a:rPr sz="1600">
+                <a:latin typeface="Times New Roman" panose="02020603050405020304"/>
+                <a:ea typeface="Calibri" panose="020F0502020204030204"/>
+                <a:sym typeface="+mn-ea"/>
+              </a:rPr>
+              <a:t>–</a:t>
+            </a:r>
+            <a:r>
+              <a:rPr sz="1600">
+                <a:latin typeface="Segoe MDL2 Assets" panose="050A0102010101010101"/>
+                <a:ea typeface="Calibri" panose="020F0502020204030204"/>
+                <a:sym typeface="+mn-ea"/>
+              </a:rPr>
+              <a:t> </a:t>
+            </a:r>
+            <a:endParaRPr sz="1600">
+              <a:latin typeface="Segoe MDL2 Assets" panose="050A0102010101010101"/>
+              <a:ea typeface="Calibri" panose="020F0502020204030204"/>
+            </a:endParaRPr>
+          </a:p>
+          <a:p>
+            <a:pPr marL="0" indent="457200" defTabSz="266700">
+              <a:lnSpc>
+                <a:spcPct val="107000"/>
+              </a:lnSpc>
+              <a:spcAft>
+                <a:spcPts val="800"/>
+              </a:spcAft>
+            </a:pPr>
+            <a:r>
+              <a:rPr sz="1600" b="1">
+                <a:latin typeface="Segoe MDL2 Assets" panose="050A0102010101010101"/>
+                <a:ea typeface="Calibri" panose="020F0502020204030204"/>
+                <a:sym typeface="+mn-ea"/>
+              </a:rPr>
+              <a:t>a)</a:t>
+            </a:r>
+            <a:r>
+              <a:rPr sz="1600">
+                <a:latin typeface="Segoe MDL2 Assets" panose="050A0102010101010101"/>
+                <a:ea typeface="Calibri" panose="020F0502020204030204"/>
+                <a:sym typeface="+mn-ea"/>
+              </a:rPr>
+              <a:t> To show average age of students </a:t>
+            </a:r>
+            <a:endParaRPr sz="1600">
+              <a:latin typeface="Segoe MDL2 Assets" panose="050A0102010101010101"/>
+              <a:ea typeface="Calibri" panose="020F0502020204030204"/>
+            </a:endParaRPr>
+          </a:p>
+          <a:p>
+            <a:pPr marL="0" indent="457200" defTabSz="266700">
+              <a:lnSpc>
+                <a:spcPct val="107000"/>
+              </a:lnSpc>
+              <a:spcAft>
+                <a:spcPts val="800"/>
+              </a:spcAft>
+            </a:pPr>
+            <a:r>
+              <a:rPr sz="1600" b="1">
+                <a:latin typeface="Segoe MDL2 Assets" panose="050A0102010101010101"/>
+                <a:ea typeface="Calibri" panose="020F0502020204030204"/>
+                <a:sym typeface="+mn-ea"/>
+              </a:rPr>
+              <a:t>b)</a:t>
+            </a:r>
+            <a:r>
+              <a:rPr sz="1600">
+                <a:latin typeface="Segoe MDL2 Assets" panose="050A0102010101010101"/>
+                <a:ea typeface="Calibri" panose="020F0502020204030204"/>
+                <a:sym typeface="+mn-ea"/>
+              </a:rPr>
+              <a:t> Donut chart for total amount of purchases by </a:t>
+            </a:r>
+            <a:r>
+              <a:rPr sz="1600">
+                <a:latin typeface="Times New Roman" panose="02020603050405020304"/>
+                <a:ea typeface="Calibri" panose="020F0502020204030204"/>
+                <a:sym typeface="+mn-ea"/>
+              </a:rPr>
+              <a:t>‘</a:t>
+            </a:r>
+            <a:r>
+              <a:rPr sz="1600">
+                <a:latin typeface="Segoe MDL2 Assets" panose="050A0102010101010101"/>
+                <a:ea typeface="Calibri" panose="020F0502020204030204"/>
+                <a:sym typeface="+mn-ea"/>
+              </a:rPr>
+              <a:t>Store location</a:t>
+            </a:r>
+            <a:endParaRPr lang="en-US" sz="1600">
+              <a:latin typeface="Segoe MDL2 Assets" panose="050A0102010101010101"/>
+              <a:ea typeface="Calibri" panose="020F0502020204030204"/>
+              <a:sym typeface="+mn-ea"/>
+            </a:endParaRPr>
+          </a:p>
+        </p:txBody>
+      </p:sp>
+    </p:spTree>
+  </p:cSld>
+  <p:clrMapOvr>
+    <a:masterClrMapping/>
+  </p:clrMapOvr>
+</p:sld>
+</file>
+
+<file path=ppt/slides/slide21.xml><?xml version="1.0" encoding="utf-8"?>
 <p:sld xmlns:a="http://schemas.openxmlformats.org/drawingml/2006/main" xmlns:r="http://schemas.openxmlformats.org/officeDocument/2006/relationships" xmlns:p="http://schemas.openxmlformats.org/presentationml/2006/main">
   <p:cSld>
     <p:bg>
@@ -8923,6 +9052,28 @@
           </a:p>
         </p:txBody>
       </p:sp>
+      <p:pic>
+        <p:nvPicPr>
+          <p:cNvPr id="4" name="Picture 3"/>
+          <p:cNvPicPr/>
+          <p:nvPr/>
+        </p:nvPicPr>
+        <p:blipFill>
+          <a:blip r:embed="rId9"/>
+          <a:stretch>
+            <a:fillRect/>
+          </a:stretch>
+        </p:blipFill>
+        <p:spPr>
+          <a:xfrm>
+            <a:off x="8016875" y="440055"/>
+            <a:ext cx="3811270" cy="2678430"/>
+          </a:xfrm>
+          <a:prstGeom prst="rect">
+            <a:avLst/>
+          </a:prstGeom>
+        </p:spPr>
+      </p:pic>
     </p:spTree>
   </p:cSld>
   <p:clrMapOvr>
